--- a/slides/Attention Is All You Need.pptx
+++ b/slides/Attention Is All You Need.pptx
@@ -12,7 +12,7 @@
     <p:sldId id="260" r:id="rId11"/>
     <p:sldId id="261" r:id="rId12"/>
   </p:sldIdLst>
-  <p:sldSz cx="9144000" cy="6858000" type="screen4x3"/>
+  <p:sldSz cx="14630400" cy="8229600" type="screen4x3"/>
   <p:notesSz cx="6858000" cy="9144000"/>
   <p:defaultTextStyle>
     <a:defPPr>
@@ -2577,9 +2577,12 @@
 <p:sldMaster xmlns:a="http://schemas.openxmlformats.org/drawingml/2006/main" xmlns:r="http://schemas.openxmlformats.org/officeDocument/2006/relationships" xmlns:p="http://schemas.openxmlformats.org/presentationml/2006/main">
   <p:cSld>
     <p:bg>
-      <p:bgRef idx="1001">
-        <a:schemeClr val="bg1"/>
-      </p:bgRef>
+      <p:bgPr>
+        <a:solidFill>
+          <a:srgbClr val="FFFFFF"/>
+        </a:solidFill>
+        <a:effectLst/>
+      </p:bgPr>
     </p:bg>
     <p:spTree>
       <p:nvGrpSpPr>
@@ -3103,7 +3106,12 @@
             <p:ph type="ctrTitle"/>
           </p:nvPr>
         </p:nvSpPr>
-        <p:spPr/>
+        <p:spPr>
+          <a:xfrm>
+            <a:off x="2743200" y="2743200"/>
+            <a:ext cx="9144000" cy="1828800"/>
+          </a:xfrm>
+        </p:spPr>
         <p:txBody>
           <a:bodyPr/>
           <a:lstStyle/>
@@ -3114,6 +3122,11 @@
               </a:defRPr>
             </a:pPr>
             <a:r>
+              <a:rPr>
+                <a:solidFill>
+                  <a:srgbClr val="000000"/>
+                </a:solidFill>
+              </a:rPr>
               <a:t>Attention Is All You Need</a:t>
             </a:r>
           </a:p>
@@ -3129,7 +3142,12 @@
             <p:ph type="subTitle" idx="1"/>
           </p:nvPr>
         </p:nvSpPr>
-        <p:spPr/>
+        <p:spPr>
+          <a:xfrm>
+            <a:off x="2743200" y="4343400"/>
+            <a:ext cx="9144000" cy="1828800"/>
+          </a:xfrm>
+        </p:spPr>
         <p:txBody>
           <a:bodyPr/>
           <a:lstStyle/>
@@ -3170,12 +3188,27 @@
             <p:ph type="title"/>
           </p:nvPr>
         </p:nvSpPr>
-        <p:spPr/>
-        <p:txBody>
-          <a:bodyPr/>
-          <a:lstStyle/>
-          <a:p>
-            <a:r>
+        <p:spPr>
+          <a:xfrm>
+            <a:off x="2743200" y="228600"/>
+            <a:ext cx="9144000" cy="1828800"/>
+          </a:xfrm>
+        </p:spPr>
+        <p:txBody>
+          <a:bodyPr/>
+          <a:lstStyle/>
+          <a:p>
+            <a:pPr>
+              <a:defRPr sz="3600" b="1">
+                <a:latin typeface="Arial"/>
+              </a:defRPr>
+            </a:pPr>
+            <a:r>
+              <a:rPr>
+                <a:solidFill>
+                  <a:srgbClr val="000000"/>
+                </a:solidFill>
+              </a:rPr>
               <a:t>Introduction</a:t>
             </a:r>
           </a:p>
@@ -3191,7 +3224,12 @@
             <p:ph idx="1"/>
           </p:nvPr>
         </p:nvSpPr>
-        <p:spPr/>
+        <p:spPr>
+          <a:xfrm>
+            <a:off x="685800" y="1828800"/>
+            <a:ext cx="13258800" cy="5486400"/>
+          </a:xfrm>
+        </p:spPr>
         <p:txBody>
           <a:bodyPr/>
           <a:lstStyle/>
@@ -3202,7 +3240,12 @@
               </a:defRPr>
             </a:pPr>
             <a:r>
-              <a:t>Recurrent neural networks have long been considered state-of-the-art in sequence modeling , but they suffer from sequential constraints that hinder parallelization .</a:t>
+              <a:rPr>
+                <a:solidFill>
+                  <a:srgbClr val="000000"/>
+                </a:solidFill>
+              </a:rPr>
+              <a:t>Recurrent neural networks have been firmly established as state-of-the-art approaches in sequence modeling and transduction problems such as language modeling and machine translation .</a:t>
             </a:r>
           </a:p>
           <a:p>
@@ -3212,7 +3255,12 @@
               </a:defRPr>
             </a:pPr>
             <a:r>
-              <a:t>Transformer aims to break this barrier by utilizing self-attention mechanisms , which compute representations of inputs without using sequence-aligned recurrent networks .</a:t>
+              <a:rPr>
+                <a:solidFill>
+                  <a:srgbClr val="000000"/>
+                </a:solidFill>
+              </a:rPr>
+              <a:t>Numerous efforts have been made to push boundaries of recurrent language models and encoder-decoder architectures .</a:t>
             </a:r>
           </a:p>
           <a:p>
@@ -3222,7 +3270,42 @@
               </a:defRPr>
             </a:pPr>
             <a:r>
-              <a:t>By relying entirely on self- attention , Transformer enables significantly greater parallelization , leading to faster convergence and better results .</a:t>
+              <a:rPr>
+                <a:solidFill>
+                  <a:srgbClr val="000000"/>
+                </a:solidFill>
+              </a:rPr>
+              <a:t>Recurrent models typically factor computation along symbol positions of input and output sequences .</a:t>
+            </a:r>
+          </a:p>
+          <a:p>
+            <a:pPr>
+              <a:defRPr sz="2800" b="0">
+                <a:latin typeface="Arial"/>
+              </a:defRPr>
+            </a:pPr>
+            <a:r>
+              <a:rPr>
+                <a:solidFill>
+                  <a:srgbClr val="000000"/>
+                </a:solidFill>
+              </a:rPr>
+              <a:t>Aligning positions to steps in computation time , they generate sequence of hidden states ht , as function of previous hidden state1 and input for position t.</a:t>
+            </a:r>
+          </a:p>
+          <a:p>
+            <a:pPr>
+              <a:defRPr sz="2800" b="0">
+                <a:latin typeface="Arial"/>
+              </a:defRPr>
+            </a:pPr>
+            <a:r>
+              <a:rPr>
+                <a:solidFill>
+                  <a:srgbClr val="000000"/>
+                </a:solidFill>
+              </a:rPr>
+              <a:t>This inherently sequential nature precludes parallelization within training examples , which becomes critical at longer sequence lengths , as memory constraints limit batching across examples .</a:t>
             </a:r>
           </a:p>
         </p:txBody>
@@ -3255,12 +3338,27 @@
             <p:ph type="title"/>
           </p:nvPr>
         </p:nvSpPr>
-        <p:spPr/>
-        <p:txBody>
-          <a:bodyPr/>
-          <a:lstStyle/>
-          <a:p>
-            <a:r>
+        <p:spPr>
+          <a:xfrm>
+            <a:off x="2743200" y="228600"/>
+            <a:ext cx="9144000" cy="1828800"/>
+          </a:xfrm>
+        </p:spPr>
+        <p:txBody>
+          <a:bodyPr/>
+          <a:lstStyle/>
+          <a:p>
+            <a:pPr>
+              <a:defRPr sz="3600" b="1">
+                <a:latin typeface="Arial"/>
+              </a:defRPr>
+            </a:pPr>
+            <a:r>
+              <a:rPr>
+                <a:solidFill>
+                  <a:srgbClr val="000000"/>
+                </a:solidFill>
+              </a:rPr>
               <a:t>Literature Review</a:t>
             </a:r>
           </a:p>
@@ -3276,7 +3374,12 @@
             <p:ph idx="1"/>
           </p:nvPr>
         </p:nvSpPr>
-        <p:spPr/>
+        <p:spPr>
+          <a:xfrm>
+            <a:off x="685800" y="1828800"/>
+            <a:ext cx="13258800" cy="5486400"/>
+          </a:xfrm>
+        </p:spPr>
         <p:txBody>
           <a:bodyPr/>
           <a:lstStyle/>
@@ -3287,7 +3390,12 @@
               </a:defRPr>
             </a:pPr>
             <a:r>
-              <a:t>nan ; Recent advancements in sequence modeling have focused on enhancing computational efficiency while improving model performance .</a:t>
+              <a:rPr>
+                <a:solidFill>
+                  <a:srgbClr val="000000"/>
+                </a:solidFill>
+              </a:rPr>
+              <a:t>Attention mechanisms have become integral part of compelling sequence modeling and transduc-tion models in various tasks , allowing modeling of dependencies without regard to their distance in input or output sequences .</a:t>
             </a:r>
           </a:p>
           <a:p>
@@ -3297,7 +3405,12 @@
               </a:defRPr>
             </a:pPr>
             <a:r>
-              <a:t>Convolutional neural networks have been employed to overcome sequential computation , but their dependency on distance between input and output positions can hinder learning of long-range dependencies .</a:t>
+              <a:rPr>
+                <a:solidFill>
+                  <a:srgbClr val="000000"/>
+                </a:solidFill>
+              </a:rPr>
+              <a:t>In all but few cases , however , such attention mechanisms are used in conjunction with recurrent network .</a:t>
             </a:r>
           </a:p>
           <a:p>
@@ -3307,7 +3420,12 @@
               </a:defRPr>
             </a:pPr>
             <a:r>
-              <a:t>Transformer addresses this issue by introducing self-attention , which creates representations of sequences without regard to their distance in input or output sequences , reducing number of operations required to relate signals from two arbitrary input/output positions to constant .</a:t>
+              <a:rPr>
+                <a:solidFill>
+                  <a:srgbClr val="000000"/>
+                </a:solidFill>
+              </a:rPr>
+              <a:t>In this work , we propose Transformer , model architecture eschewing recurrence and instead relying entirely on attention mechanism to draw global dependencies between input and output .</a:t>
             </a:r>
           </a:p>
         </p:txBody>
@@ -3340,12 +3458,27 @@
             <p:ph type="title"/>
           </p:nvPr>
         </p:nvSpPr>
-        <p:spPr/>
-        <p:txBody>
-          <a:bodyPr/>
-          <a:lstStyle/>
-          <a:p>
-            <a:r>
+        <p:spPr>
+          <a:xfrm>
+            <a:off x="2743200" y="228600"/>
+            <a:ext cx="9144000" cy="1828800"/>
+          </a:xfrm>
+        </p:spPr>
+        <p:txBody>
+          <a:bodyPr/>
+          <a:lstStyle/>
+          <a:p>
+            <a:pPr>
+              <a:defRPr sz="3600" b="1">
+                <a:latin typeface="Arial"/>
+              </a:defRPr>
+            </a:pPr>
+            <a:r>
+              <a:rPr>
+                <a:solidFill>
+                  <a:srgbClr val="000000"/>
+                </a:solidFill>
+              </a:rPr>
               <a:t>Methodology</a:t>
             </a:r>
           </a:p>
@@ -3361,7 +3494,12 @@
             <p:ph idx="1"/>
           </p:nvPr>
         </p:nvSpPr>
-        <p:spPr/>
+        <p:spPr>
+          <a:xfrm>
+            <a:off x="685800" y="1828800"/>
+            <a:ext cx="13258800" cy="5486400"/>
+          </a:xfrm>
+        </p:spPr>
         <p:txBody>
           <a:bodyPr/>
           <a:lstStyle/>
@@ -3372,7 +3510,12 @@
               </a:defRPr>
             </a:pPr>
             <a:r>
-              <a:t>Transformer architecture consists of stacked encoder and decoder , where each encoder layer comprises self-attention mechanism and position-wise fully connected feed-forward network .</a:t>
+              <a:rPr>
+                <a:solidFill>
+                  <a:srgbClr val="000000"/>
+                </a:solidFill>
+              </a:rPr>
+              <a:t>Transformer follows this overall architecture using stacked self-attention and point-wise , fully connected layers for both encoder and decoder , shown in left and right halves of Figure 1 .</a:t>
             </a:r>
           </a:p>
           <a:p>
@@ -3382,7 +3525,12 @@
               </a:defRPr>
             </a:pPr>
             <a:r>
-              <a:t>encoder also utilizes three sub-layers : Self-attention Mechanism , multi-head attention over encoder stack output , and Position-wise Feed-forward Network .</a:t>
+              <a:rPr>
+                <a:solidFill>
+                  <a:srgbClr val="000000"/>
+                </a:solidFill>
+              </a:rPr>
+              <a:t>encoder is composed of stack of N = identical layers , and second is simple , position-wise fully connected feed-forward network .</a:t>
             </a:r>
           </a:p>
           <a:p>
@@ -3392,7 +3540,12 @@
               </a:defRPr>
             </a:pPr>
             <a:r>
-              <a:t>self attention mechanism computes weighted sum of values based on compatibility between queries and keys .</a:t>
+              <a:rPr>
+                <a:solidFill>
+                  <a:srgbClr val="000000"/>
+                </a:solidFill>
+              </a:rPr>
+              <a:t>output of each sub-layer is LayerNorm ( x + Sublayer ( x ) ) , where Sublayer ( x ) is function implemented by sublayer itself .</a:t>
             </a:r>
           </a:p>
           <a:p>
@@ -3402,7 +3555,12 @@
               </a:defRPr>
             </a:pPr>
             <a:r>
-              <a:t>Positional encodings are added to input and output embeddings to provide information about relative or absolute position of tokens in sequence .</a:t>
+              <a:rPr>
+                <a:solidFill>
+                  <a:srgbClr val="000000"/>
+                </a:solidFill>
+              </a:rPr>
+              <a:t>To facilitate these residual connections around each of two layers in each encoder stack , we compute dot products of query with all keys , divide each by dk , and apply softmax function to obtain weighted dot-value pairs .</a:t>
             </a:r>
           </a:p>
         </p:txBody>
@@ -3435,12 +3593,27 @@
             <p:ph type="title"/>
           </p:nvPr>
         </p:nvSpPr>
-        <p:spPr/>
-        <p:txBody>
-          <a:bodyPr/>
-          <a:lstStyle/>
-          <a:p>
-            <a:r>
+        <p:spPr>
+          <a:xfrm>
+            <a:off x="2743200" y="228600"/>
+            <a:ext cx="9144000" cy="1828800"/>
+          </a:xfrm>
+        </p:spPr>
+        <p:txBody>
+          <a:bodyPr/>
+          <a:lstStyle/>
+          <a:p>
+            <a:pPr>
+              <a:defRPr sz="3600" b="1">
+                <a:latin typeface="Arial"/>
+              </a:defRPr>
+            </a:pPr>
+            <a:r>
+              <a:rPr>
+                <a:solidFill>
+                  <a:srgbClr val="000000"/>
+                </a:solidFill>
+              </a:rPr>
               <a:t>Results</a:t>
             </a:r>
           </a:p>
@@ -3456,7 +3629,12 @@
             <p:ph idx="1"/>
           </p:nvPr>
         </p:nvSpPr>
-        <p:spPr/>
+        <p:spPr>
+          <a:xfrm>
+            <a:off x="685800" y="1828800"/>
+            <a:ext cx="13258800" cy="5486400"/>
+          </a:xfrm>
+        </p:spPr>
         <p:txBody>
           <a:bodyPr/>
           <a:lstStyle/>
@@ -3467,7 +3645,12 @@
               </a:defRPr>
             </a:pPr>
             <a:r>
-              <a:t>Transformer achieves 28.4 BLEU on WMT 2014 English-to-German translation task , surpassing existing state-of-the-art models by over 1BLEU .</a:t>
+              <a:rPr>
+                <a:solidFill>
+                  <a:srgbClr val="000000"/>
+                </a:solidFill>
+              </a:rPr>
+              <a:t>nan ; This paper presents comprehensive review of literature , including literature review , and study 's findings .</a:t>
             </a:r>
           </a:p>
           <a:p>
@@ -3477,17 +3660,12 @@
               </a:defRPr>
             </a:pPr>
             <a:r>
-              <a:t>Transformer sets new single-model BBLEU score of 41.8 after training for 3.5 days on eight GPUs .</a:t>
-            </a:r>
-          </a:p>
-          <a:p>
-            <a:pPr>
-              <a:defRPr sz="2800" b="0">
-                <a:latin typeface="Arial"/>
-              </a:defRPr>
-            </a:pPr>
-            <a:r>
-              <a:t>model 's efficiency is further evident in its successful application to English constituency parsing , even with limited training data .</a:t>
+              <a:rPr>
+                <a:solidFill>
+                  <a:srgbClr val="000000"/>
+                </a:solidFill>
+              </a:rPr>
+              <a:t>authors conclude that study aims to improve quality of our work .</a:t>
             </a:r>
           </a:p>
         </p:txBody>
@@ -3520,7 +3698,12 @@
             <p:ph type="title"/>
           </p:nvPr>
         </p:nvSpPr>
-        <p:spPr/>
+        <p:spPr>
+          <a:xfrm>
+            <a:off x="2743200" y="228600"/>
+            <a:ext cx="9144000" cy="1828800"/>
+          </a:xfrm>
+        </p:spPr>
         <p:txBody>
           <a:bodyPr/>
           <a:lstStyle/>
@@ -3531,6 +3714,11 @@
               </a:defRPr>
             </a:pPr>
             <a:r>
+              <a:rPr>
+                <a:solidFill>
+                  <a:srgbClr val="000000"/>
+                </a:solidFill>
+              </a:rPr>
               <a:t>Conclusion</a:t>
             </a:r>
           </a:p>
@@ -3546,7 +3734,12 @@
             <p:ph idx="1"/>
           </p:nvPr>
         </p:nvSpPr>
-        <p:spPr/>
+        <p:spPr>
+          <a:xfrm>
+            <a:off x="685800" y="1828800"/>
+            <a:ext cx="13258800" cy="5486400"/>
+          </a:xfrm>
+        </p:spPr>
         <p:txBody>
           <a:bodyPr/>
           <a:lstStyle/>
@@ -3557,7 +3750,12 @@
               </a:defRPr>
             </a:pPr>
             <a:r>
-              <a:t>Transformer introduces simple yet powerful architecture that leverages self-attention mechanisms to achieve new heights in sequence transduction performance .</a:t>
+              <a:rPr>
+                <a:solidFill>
+                  <a:srgbClr val="000000"/>
+                </a:solidFill>
+              </a:rPr>
+              <a:t>We propose new simple network architecture , Transformer , based solely on attention mechanisms , dispensing with recurrence and convolution entirely .</a:t>
             </a:r>
           </a:p>
           <a:p>
@@ -3567,7 +3765,12 @@
               </a:defRPr>
             </a:pPr>
             <a:r>
-              <a:t>Its parallelizability and reduced training time make it attractive option for large-scale language modeling and translation tasks .</a:t>
+              <a:rPr>
+                <a:solidFill>
+                  <a:srgbClr val="000000"/>
+                </a:solidFill>
+              </a:rPr>
+              <a:t>Experiments on two machine translation tasks show that these models are superior in quality while being more parallelizable and requiring significantly less time to train .</a:t>
             </a:r>
           </a:p>
           <a:p>
@@ -3577,7 +3780,42 @@
               </a:defRPr>
             </a:pPr>
             <a:r>
-              <a:t>Transformer will continue to inspire further research and applications in natural language processing .</a:t>
+              <a:rPr>
+                <a:solidFill>
+                  <a:srgbClr val="000000"/>
+                </a:solidFill>
+              </a:rPr>
+              <a:t>Our model achieves 28.4 BLEU on WMT 2014 English-to-German translation task , improving over existing best results , including ensembles , by over BLUE .</a:t>
+            </a:r>
+          </a:p>
+          <a:p>
+            <a:pPr>
+              <a:defRPr sz="2800" b="0">
+                <a:latin typeface="Arial"/>
+              </a:defRPr>
+            </a:pPr>
+            <a:r>
+              <a:rPr>
+                <a:solidFill>
+                  <a:srgbClr val="000000"/>
+                </a:solidFill>
+              </a:rPr>
+              <a:t>On English-To-French translation task on eight GPUs , small fraction of training costs of best models from literature .</a:t>
+            </a:r>
+          </a:p>
+          <a:p>
+            <a:pPr>
+              <a:defRPr sz="2800" b="0">
+                <a:latin typeface="Arial"/>
+              </a:defRPr>
+            </a:pPr>
+            <a:r>
+              <a:rPr>
+                <a:solidFill>
+                  <a:srgbClr val="000000"/>
+                </a:solidFill>
+              </a:rPr>
+              <a:t>model establishes single-model state-of-the-art score of 41.8 after training for 3.5 days on 8 GPUs .</a:t>
             </a:r>
           </a:p>
         </p:txBody>

--- a/slides/Attention Is All You Need.pptx
+++ b/slides/Attention Is All You Need.pptx
@@ -3245,7 +3245,7 @@
                   <a:srgbClr val="000000"/>
                 </a:solidFill>
               </a:rPr>
-              <a:t>Recurrent neural networks have been firmly established as state-of-the-art approaches in sequence modeling and transduction problems such as language modeling and machine translation .</a:t>
+              <a:t>Recurrent neural networks have been state-of-the-art for sequence modeling and transduction tasks .</a:t>
             </a:r>
           </a:p>
           <a:p>
@@ -3260,7 +3260,7 @@
                   <a:srgbClr val="000000"/>
                 </a:solidFill>
               </a:rPr>
-              <a:t>Numerous efforts have been made to push boundaries of recurrent language models and encoder-decoder architectures .</a:t>
+              <a:t>However , they suffer from sequential computation , limiting parallelization and preventing longer sequence lengths .</a:t>
             </a:r>
           </a:p>
           <a:p>
@@ -3275,37 +3275,7 @@
                   <a:srgbClr val="000000"/>
                 </a:solidFill>
               </a:rPr>
-              <a:t>Recurrent models typically factor computation along symbol positions of input and output sequences .</a:t>
-            </a:r>
-          </a:p>
-          <a:p>
-            <a:pPr>
-              <a:defRPr sz="2800" b="0">
-                <a:latin typeface="Arial"/>
-              </a:defRPr>
-            </a:pPr>
-            <a:r>
-              <a:rPr>
-                <a:solidFill>
-                  <a:srgbClr val="000000"/>
-                </a:solidFill>
-              </a:rPr>
-              <a:t>Aligning positions to steps in computation time , they generate sequence of hidden states ht , as function of previous hidden state1 and input for position t.</a:t>
-            </a:r>
-          </a:p>
-          <a:p>
-            <a:pPr>
-              <a:defRPr sz="2800" b="0">
-                <a:latin typeface="Arial"/>
-              </a:defRPr>
-            </a:pPr>
-            <a:r>
-              <a:rPr>
-                <a:solidFill>
-                  <a:srgbClr val="000000"/>
-                </a:solidFill>
-              </a:rPr>
-              <a:t>This inherently sequential nature precludes parallelization within training examples , which becomes critical at longer sequence lengths , as memory constraints limit batching across examples .</a:t>
+              <a:t>Attention mechanisms have become integral to sequence modeling , but they are typically used with recurrent networks .</a:t>
             </a:r>
           </a:p>
         </p:txBody>
@@ -3395,7 +3365,7 @@
                   <a:srgbClr val="000000"/>
                 </a:solidFill>
               </a:rPr>
-              <a:t>Attention mechanisms have become integral part of compelling sequence modeling and transduc-tion models in various tasks , allowing modeling of dependencies without regard to their distance in input or output sequences .</a:t>
+              <a:t>nan ; Recent advances in computational efficiency include factorization tricks and conditional computation .</a:t>
             </a:r>
           </a:p>
           <a:p>
@@ -3410,7 +3380,7 @@
                   <a:srgbClr val="000000"/>
                 </a:solidFill>
               </a:rPr>
-              <a:t>In all but few cases , however , such attention mechanisms are used in conjunction with recurrent network .</a:t>
+              <a:t>However , fundamental constraint of sequential computation remains .</a:t>
             </a:r>
           </a:p>
           <a:p>
@@ -3425,7 +3395,37 @@
                   <a:srgbClr val="000000"/>
                 </a:solidFill>
               </a:rPr>
-              <a:t>In this work , we propose Transformer , model architecture eschewing recurrence and instead relying entirely on attention mechanism to draw global dependencies between input and output .</a:t>
+              <a:t>Attention mechanisms have become integral part of compelling sequence modeling and transduction models in various tasks , allowing modeling of dependencies without regard to their distance in input or output sequences .</a:t>
+            </a:r>
+          </a:p>
+          <a:p>
+            <a:pPr>
+              <a:defRPr sz="2800" b="0">
+                <a:latin typeface="Arial"/>
+              </a:defRPr>
+            </a:pPr>
+            <a:r>
+              <a:rPr>
+                <a:solidFill>
+                  <a:srgbClr val="000000"/>
+                </a:solidFill>
+              </a:rPr>
+              <a:t>In all but few cases , however , such attention mechanisms are used in conjunction with recurrent network .</a:t>
+            </a:r>
+          </a:p>
+          <a:p>
+            <a:pPr>
+              <a:defRPr sz="2800" b="0">
+                <a:latin typeface="Arial"/>
+              </a:defRPr>
+            </a:pPr>
+            <a:r>
+              <a:rPr>
+                <a:solidFill>
+                  <a:srgbClr val="000000"/>
+                </a:solidFill>
+              </a:rPr>
+              <a:t>; nan</a:t>
             </a:r>
           </a:p>
         </p:txBody>
@@ -3515,7 +3515,7 @@
                   <a:srgbClr val="000000"/>
                 </a:solidFill>
               </a:rPr>
-              <a:t>Transformer follows this overall architecture using stacked self-attention and point-wise , fully connected layers for both encoder and decoder , shown in left and right halves of Figure 1 .</a:t>
+              <a:t>Transformer follows encoder-decoder structure with stacked self-attention and point-wise , fully connected layers for both encoder and decoder .</a:t>
             </a:r>
           </a:p>
           <a:p>
@@ -3530,7 +3530,7 @@
                   <a:srgbClr val="000000"/>
                 </a:solidFill>
               </a:rPr>
-              <a:t>encoder is composed of stack of N = identical layers , and second is simple , position-wise fully connected feed-forward network .</a:t>
+              <a:t>Attention is computed using scaled dot-product attention , where weights are computed by compatibility function of query with corresponding key .</a:t>
             </a:r>
           </a:p>
           <a:p>
@@ -3545,7 +3545,7 @@
                   <a:srgbClr val="000000"/>
                 </a:solidFill>
               </a:rPr>
-              <a:t>output of each sub-layer is LayerNorm ( x + Sublayer ( x ) ) , where Sublayer ( x ) is function implemented by sublayer itself .</a:t>
+              <a:t>Multi-head attention consists of several attention layers running in parallel .</a:t>
             </a:r>
           </a:p>
           <a:p>
@@ -3560,7 +3560,7 @@
                   <a:srgbClr val="000000"/>
                 </a:solidFill>
               </a:rPr>
-              <a:t>To facilitate these residual connections around each of two layers in each encoder stack , we compute dot products of query with all keys , divide each by dk , and apply softmax function to obtain weighted dot-value pairs .</a:t>
+              <a:t>Positional encodings are added to input embeddings to inject information about relative or absolute position of tokens in sequence .</a:t>
             </a:r>
           </a:p>
         </p:txBody>
@@ -3650,7 +3650,7 @@
                   <a:srgbClr val="000000"/>
                 </a:solidFill>
               </a:rPr>
-              <a:t>nan ; This paper presents comprehensive review of literature , including literature review , and study 's findings .</a:t>
+              <a:t>Transformer achieves state-of-the-art results on two machine translation tasks , outperforming existing best results , including ensembles , by over 2 BLEU on WMT 2014 English-to-German translation task .</a:t>
             </a:r>
           </a:p>
           <a:p>
@@ -3665,7 +3665,22 @@
                   <a:srgbClr val="000000"/>
                 </a:solidFill>
               </a:rPr>
-              <a:t>authors conclude that study aims to improve quality of our work .</a:t>
+              <a:t>Transformer establishes new single-model state of art score of 41.8 after training for 3.5 days on eight GPUs .</a:t>
+            </a:r>
+          </a:p>
+          <a:p>
+            <a:pPr>
+              <a:defRPr sz="2800" b="0">
+                <a:latin typeface="Arial"/>
+              </a:defRPr>
+            </a:pPr>
+            <a:r>
+              <a:rPr>
+                <a:solidFill>
+                  <a:srgbClr val="000000"/>
+                </a:solidFill>
+              </a:rPr>
+              <a:t>It also generalizes well to other tasks , such as English constituency parsing .</a:t>
             </a:r>
           </a:p>
         </p:txBody>
@@ -3755,7 +3770,7 @@
                   <a:srgbClr val="000000"/>
                 </a:solidFill>
               </a:rPr>
-              <a:t>We propose new simple network architecture , Transformer , based solely on attention mechanisms , dispensing with recurrence and convolution entirely .</a:t>
+              <a:t>Transformer introduces new architecture for sequence transduction tasks , which is based solely on attention mechanisms and dispenses with recurrence and convolution entirely .</a:t>
             </a:r>
           </a:p>
           <a:p>
@@ -3770,7 +3785,7 @@
                   <a:srgbClr val="000000"/>
                 </a:solidFill>
               </a:rPr>
-              <a:t>Experiments on two machine translation tasks show that these models are superior in quality while being more parallelizable and requiring significantly less time to train .</a:t>
+              <a:t>This architecture allows for significantly more parallelization and can reach new state of art in translation quality after being trained for as little as twelve hours on eight P100 GPUs .</a:t>
             </a:r>
           </a:p>
           <a:p>
@@ -3785,37 +3800,7 @@
                   <a:srgbClr val="000000"/>
                 </a:solidFill>
               </a:rPr>
-              <a:t>Our model achieves 28.4 BLEU on WMT 2014 English-to-German translation task , improving over existing best results , including ensembles , by over BLUE .</a:t>
-            </a:r>
-          </a:p>
-          <a:p>
-            <a:pPr>
-              <a:defRPr sz="2800" b="0">
-                <a:latin typeface="Arial"/>
-              </a:defRPr>
-            </a:pPr>
-            <a:r>
-              <a:rPr>
-                <a:solidFill>
-                  <a:srgbClr val="000000"/>
-                </a:solidFill>
-              </a:rPr>
-              <a:t>On English-To-French translation task on eight GPUs , small fraction of training costs of best models from literature .</a:t>
-            </a:r>
-          </a:p>
-          <a:p>
-            <a:pPr>
-              <a:defRPr sz="2800" b="0">
-                <a:latin typeface="Arial"/>
-              </a:defRPr>
-            </a:pPr>
-            <a:r>
-              <a:rPr>
-                <a:solidFill>
-                  <a:srgbClr val="000000"/>
-                </a:solidFill>
-              </a:rPr>
-              <a:t>model establishes single-model state-of-the-art score of 41.8 after training for 3.5 days on 8 GPUs .</a:t>
+              <a:t>Transformer also generalizes well to other tasks such as English constituency parsing .</a:t>
             </a:r>
           </a:p>
         </p:txBody>
